--- a/FalpGL/files/Presentation Capstone.pptx
+++ b/FalpGL/files/Presentation Capstone.pptx
@@ -3119,7 +3119,7 @@
         </p:blipFill>
         <p:spPr>
           <a:xfrm>
-            <a:off x="20870469" y="3323641"/>
+            <a:off x="11169224" y="2424535"/>
             <a:ext cx="6502734" cy="5080261"/>
           </a:xfrm>
           <a:prstGeom prst="rect">
@@ -3155,8 +3155,8 @@
         </p:blipFill>
         <p:spPr>
           <a:xfrm>
-            <a:off x="26431537" y="4390192"/>
-            <a:ext cx="2095500" cy="876300"/>
+            <a:off x="27200369" y="16715804"/>
+            <a:ext cx="2828538" cy="1182843"/>
           </a:xfrm>
           <a:prstGeom prst="rect">
             <a:avLst/>
@@ -3191,7 +3191,7 @@
         </p:blipFill>
         <p:spPr>
           <a:xfrm>
-            <a:off x="25570891" y="6860745"/>
+            <a:off x="26758870" y="11974407"/>
             <a:ext cx="5912292" cy="3325664"/>
           </a:xfrm>
           <a:prstGeom prst="rect">
@@ -3216,6 +3216,15 @@
         <p:blipFill>
           <a:blip r:embed="rId6">
             <a:extLst>
+              <a:ext uri="{BEBA8EAE-BF5A-486C-A8C5-ECC9F3942E4B}">
+                <a14:imgProps xmlns:a14="http://schemas.microsoft.com/office/drawing/2010/main">
+                  <a14:imgLayer r:embed="rId7">
+                    <a14:imgEffect>
+                      <a14:backgroundRemoval t="6349" b="95079" l="10000" r="90000"/>
+                    </a14:imgEffect>
+                  </a14:imgLayer>
+                </a14:imgProps>
+              </a:ext>
               <a:ext uri="{28A0092B-C50C-407E-A947-70E740481C1C}">
                 <a14:useLocalDpi xmlns:a14="http://schemas.microsoft.com/office/drawing/2010/main" val="0"/>
               </a:ext>
@@ -3227,7 +3236,7 @@
         </p:blipFill>
         <p:spPr>
           <a:xfrm>
-            <a:off x="27269063" y="10584515"/>
+            <a:off x="11748647" y="7588403"/>
             <a:ext cx="5072243" cy="5072243"/>
           </a:xfrm>
           <a:prstGeom prst="rect">
@@ -3241,42 +3250,6 @@
             <a:extLst>
               <a:ext uri="{FF2B5EF4-FFF2-40B4-BE49-F238E27FC236}">
                 <a16:creationId xmlns:a16="http://schemas.microsoft.com/office/drawing/2014/main" id="{2A24F4A1-900B-8A18-FFAF-06ADD437BF8D}"/>
-              </a:ext>
-            </a:extLst>
-          </p:cNvPr>
-          <p:cNvPicPr>
-            <a:picLocks noChangeAspect="1"/>
-          </p:cNvPicPr>
-          <p:nvPr/>
-        </p:nvPicPr>
-        <p:blipFill>
-          <a:blip r:embed="rId7">
-            <a:extLst>
-              <a:ext uri="{28A0092B-C50C-407E-A947-70E740481C1C}">
-                <a14:useLocalDpi xmlns:a14="http://schemas.microsoft.com/office/drawing/2010/main" val="0"/>
-              </a:ext>
-            </a:extLst>
-          </a:blip>
-          <a:stretch>
-            <a:fillRect/>
-          </a:stretch>
-        </p:blipFill>
-        <p:spPr>
-          <a:xfrm>
-            <a:off x="26431537" y="15952502"/>
-            <a:ext cx="4876800" cy="2019300"/>
-          </a:xfrm>
-          <a:prstGeom prst="rect">
-            <a:avLst/>
-          </a:prstGeom>
-        </p:spPr>
-      </p:pic>
-      <p:pic>
-        <p:nvPicPr>
-          <p:cNvPr id="29" name="Picture 28" descr="A close up of a logo&#10;&#10;Description automatically generated with low confidence">
-            <a:extLst>
-              <a:ext uri="{FF2B5EF4-FFF2-40B4-BE49-F238E27FC236}">
-                <a16:creationId xmlns:a16="http://schemas.microsoft.com/office/drawing/2014/main" id="{406FA790-C1E3-197C-F9A3-CC8B90930322}"/>
               </a:ext>
             </a:extLst>
           </p:cNvPr>
@@ -3299,8 +3272,8 @@
         </p:blipFill>
         <p:spPr>
           <a:xfrm>
-            <a:off x="23762787" y="12408791"/>
-            <a:ext cx="1097282" cy="685801"/>
+            <a:off x="27292686" y="3291568"/>
+            <a:ext cx="4876800" cy="2019300"/>
           </a:xfrm>
           <a:prstGeom prst="rect">
             <a:avLst/>
@@ -3309,10 +3282,10 @@
       </p:pic>
       <p:pic>
         <p:nvPicPr>
-          <p:cNvPr id="33" name="Picture 32" descr="A picture containing cup, food, tea, beverage&#10;&#10;Description automatically generated">
+          <p:cNvPr id="29" name="Picture 28" descr="A close up of a logo&#10;&#10;Description automatically generated with low confidence">
             <a:extLst>
               <a:ext uri="{FF2B5EF4-FFF2-40B4-BE49-F238E27FC236}">
-                <a16:creationId xmlns:a16="http://schemas.microsoft.com/office/drawing/2014/main" id="{2712D784-0932-3036-CF3C-CDDF9FC47E20}"/>
+                <a16:creationId xmlns:a16="http://schemas.microsoft.com/office/drawing/2014/main" id="{406FA790-C1E3-197C-F9A3-CC8B90930322}"/>
               </a:ext>
             </a:extLst>
           </p:cNvPr>
@@ -3335,8 +3308,8 @@
         </p:blipFill>
         <p:spPr>
           <a:xfrm>
-            <a:off x="23952950" y="13636427"/>
-            <a:ext cx="1866667" cy="1866667"/>
+            <a:off x="27699907" y="6456919"/>
+            <a:ext cx="1097282" cy="685801"/>
           </a:xfrm>
           <a:prstGeom prst="rect">
             <a:avLst/>
@@ -3345,10 +3318,10 @@
       </p:pic>
       <p:pic>
         <p:nvPicPr>
-          <p:cNvPr id="35" name="Picture 34" descr="Icon&#10;&#10;Description automatically generated">
+          <p:cNvPr id="33" name="Picture 32" descr="A picture containing cup, food, tea, beverage&#10;&#10;Description automatically generated">
             <a:extLst>
               <a:ext uri="{FF2B5EF4-FFF2-40B4-BE49-F238E27FC236}">
-                <a16:creationId xmlns:a16="http://schemas.microsoft.com/office/drawing/2014/main" id="{44F96D47-E513-AFB7-F826-88AA2C902BBE}"/>
+                <a16:creationId xmlns:a16="http://schemas.microsoft.com/office/drawing/2014/main" id="{2712D784-0932-3036-CF3C-CDDF9FC47E20}"/>
               </a:ext>
             </a:extLst>
           </p:cNvPr>
@@ -3360,9 +3333,45 @@
         <p:blipFill>
           <a:blip r:embed="rId10">
             <a:extLst>
+              <a:ext uri="{28A0092B-C50C-407E-A947-70E740481C1C}">
+                <a14:useLocalDpi xmlns:a14="http://schemas.microsoft.com/office/drawing/2010/main" val="0"/>
+              </a:ext>
+            </a:extLst>
+          </a:blip>
+          <a:stretch>
+            <a:fillRect/>
+          </a:stretch>
+        </p:blipFill>
+        <p:spPr>
+          <a:xfrm>
+            <a:off x="27346026" y="9455354"/>
+            <a:ext cx="1866667" cy="1866667"/>
+          </a:xfrm>
+          <a:prstGeom prst="rect">
+            <a:avLst/>
+          </a:prstGeom>
+        </p:spPr>
+      </p:pic>
+      <p:pic>
+        <p:nvPicPr>
+          <p:cNvPr id="35" name="Picture 34" descr="Icon&#10;&#10;Description automatically generated">
+            <a:extLst>
+              <a:ext uri="{FF2B5EF4-FFF2-40B4-BE49-F238E27FC236}">
+                <a16:creationId xmlns:a16="http://schemas.microsoft.com/office/drawing/2014/main" id="{44F96D47-E513-AFB7-F826-88AA2C902BBE}"/>
+              </a:ext>
+            </a:extLst>
+          </p:cNvPr>
+          <p:cNvPicPr>
+            <a:picLocks noChangeAspect="1"/>
+          </p:cNvPicPr>
+          <p:nvPr/>
+        </p:nvPicPr>
+        <p:blipFill>
+          <a:blip r:embed="rId11">
+            <a:extLst>
               <a:ext uri="{BEBA8EAE-BF5A-486C-A8C5-ECC9F3942E4B}">
                 <a14:imgProps xmlns:a14="http://schemas.microsoft.com/office/drawing/2010/main">
-                  <a14:imgLayer r:embed="rId11">
+                  <a14:imgLayer r:embed="rId12">
                     <a14:imgEffect>
                       <a14:backgroundRemoval t="6667" b="96000" l="4124" r="97938">
                         <a14:foregroundMark x1="40206" y1="52000" x2="68041" y2="88000"/>
@@ -3396,44 +3405,8 @@
         </p:blipFill>
         <p:spPr>
           <a:xfrm>
-            <a:off x="23337077" y="16044929"/>
+            <a:off x="27750202" y="7850587"/>
             <a:ext cx="1231746" cy="952381"/>
-          </a:xfrm>
-          <a:prstGeom prst="rect">
-            <a:avLst/>
-          </a:prstGeom>
-        </p:spPr>
-      </p:pic>
-      <p:pic>
-        <p:nvPicPr>
-          <p:cNvPr id="37" name="Picture 36" descr="Logo&#10;&#10;Description automatically generated">
-            <a:extLst>
-              <a:ext uri="{FF2B5EF4-FFF2-40B4-BE49-F238E27FC236}">
-                <a16:creationId xmlns:a16="http://schemas.microsoft.com/office/drawing/2014/main" id="{79FFFFCF-9674-70AD-C3A0-341EEE130D46}"/>
-              </a:ext>
-            </a:extLst>
-          </p:cNvPr>
-          <p:cNvPicPr>
-            <a:picLocks noChangeAspect="1"/>
-          </p:cNvPicPr>
-          <p:nvPr/>
-        </p:nvPicPr>
-        <p:blipFill>
-          <a:blip r:embed="rId12">
-            <a:extLst>
-              <a:ext uri="{28A0092B-C50C-407E-A947-70E740481C1C}">
-                <a14:useLocalDpi xmlns:a14="http://schemas.microsoft.com/office/drawing/2010/main" val="0"/>
-              </a:ext>
-            </a:extLst>
-          </a:blip>
-          <a:stretch>
-            <a:fillRect/>
-          </a:stretch>
-        </p:blipFill>
-        <p:spPr>
-          <a:xfrm>
-            <a:off x="29892172" y="3390281"/>
-            <a:ext cx="4429125" cy="4429125"/>
           </a:xfrm>
           <a:prstGeom prst="rect">
             <a:avLst/>
@@ -3468,7 +3441,7 @@
         </p:blipFill>
         <p:spPr>
           <a:xfrm>
-            <a:off x="27912181" y="18700931"/>
+            <a:off x="11878021" y="15081932"/>
             <a:ext cx="4429125" cy="4429125"/>
           </a:xfrm>
           <a:prstGeom prst="rect">
@@ -3503,8 +3476,8 @@
         </p:blipFill>
         <p:spPr>
           <a:xfrm>
-            <a:off x="20870468" y="15940087"/>
-            <a:ext cx="2237181" cy="1057223"/>
+            <a:off x="12062594" y="13239020"/>
+            <a:ext cx="3673463" cy="1735966"/>
           </a:xfrm>
           <a:prstGeom prst="rect">
             <a:avLst/>
@@ -3539,7 +3512,7 @@
         </p:blipFill>
         <p:spPr>
           <a:xfrm>
-            <a:off x="22563590" y="18318449"/>
+            <a:off x="12240382" y="19756477"/>
             <a:ext cx="3495675" cy="933450"/>
           </a:xfrm>
           <a:prstGeom prst="rect">
@@ -3575,7 +3548,7 @@
         </p:blipFill>
         <p:spPr>
           <a:xfrm>
-            <a:off x="22125223" y="20279390"/>
+            <a:off x="12064342" y="21825397"/>
             <a:ext cx="3993226" cy="2164268"/>
           </a:xfrm>
           <a:prstGeom prst="rect">
@@ -3585,10 +3558,10 @@
       </p:pic>
       <p:pic>
         <p:nvPicPr>
-          <p:cNvPr id="47" name="Picture 46">
+          <p:cNvPr id="57" name="Picture 56" descr="Text&#10;&#10;Description automatically generated">
             <a:extLst>
               <a:ext uri="{FF2B5EF4-FFF2-40B4-BE49-F238E27FC236}">
-                <a16:creationId xmlns:a16="http://schemas.microsoft.com/office/drawing/2014/main" id="{7388B917-A1AF-788A-67F0-8E3C046A9C90}"/>
+                <a16:creationId xmlns:a16="http://schemas.microsoft.com/office/drawing/2014/main" id="{DE6AB29F-B103-DFE8-CFA8-E17B387D8104}"/>
               </a:ext>
             </a:extLst>
           </p:cNvPr>
@@ -3598,15 +3571,21 @@
           <p:nvPr/>
         </p:nvPicPr>
         <p:blipFill>
-          <a:blip r:embed="rId17"/>
+          <a:blip r:embed="rId17">
+            <a:extLst>
+              <a:ext uri="{28A0092B-C50C-407E-A947-70E740481C1C}">
+                <a14:useLocalDpi xmlns:a14="http://schemas.microsoft.com/office/drawing/2010/main" val="0"/>
+              </a:ext>
+            </a:extLst>
+          </a:blip>
           <a:stretch>
             <a:fillRect/>
           </a:stretch>
         </p:blipFill>
         <p:spPr>
           <a:xfrm>
-            <a:off x="15781196" y="24565185"/>
-            <a:ext cx="14652905" cy="7604483"/>
+            <a:off x="17791508" y="3705630"/>
+            <a:ext cx="8638050" cy="19775464"/>
           </a:xfrm>
           <a:prstGeom prst="rect">
             <a:avLst/>
@@ -3615,10 +3594,10 @@
       </p:pic>
       <p:pic>
         <p:nvPicPr>
-          <p:cNvPr id="57" name="Picture 56" descr="Text&#10;&#10;Description automatically generated">
+          <p:cNvPr id="3" name="Picture 2">
             <a:extLst>
               <a:ext uri="{FF2B5EF4-FFF2-40B4-BE49-F238E27FC236}">
-                <a16:creationId xmlns:a16="http://schemas.microsoft.com/office/drawing/2014/main" id="{DE6AB29F-B103-DFE8-CFA8-E17B387D8104}"/>
+                <a16:creationId xmlns:a16="http://schemas.microsoft.com/office/drawing/2014/main" id="{23B7F95C-9171-51E7-DB6B-2EF35356277D}"/>
               </a:ext>
             </a:extLst>
           </p:cNvPr>
@@ -3628,21 +3607,15 @@
           <p:nvPr/>
         </p:nvPicPr>
         <p:blipFill>
-          <a:blip r:embed="rId18">
-            <a:extLst>
-              <a:ext uri="{28A0092B-C50C-407E-A947-70E740481C1C}">
-                <a14:useLocalDpi xmlns:a14="http://schemas.microsoft.com/office/drawing/2010/main" val="0"/>
-              </a:ext>
-            </a:extLst>
-          </a:blip>
+          <a:blip r:embed="rId18"/>
           <a:stretch>
             <a:fillRect/>
           </a:stretch>
         </p:blipFill>
         <p:spPr>
           <a:xfrm>
-            <a:off x="11693441" y="3748695"/>
-            <a:ext cx="8638050" cy="19775464"/>
+            <a:off x="28142352" y="19856499"/>
+            <a:ext cx="3325664" cy="3325664"/>
           </a:xfrm>
           <a:prstGeom prst="rect">
             <a:avLst/>
@@ -3651,10 +3624,10 @@
       </p:pic>
       <p:sp>
         <p:nvSpPr>
-          <p:cNvPr id="58" name="TextBox 57">
+          <p:cNvPr id="5" name="TextBox 4">
             <a:extLst>
               <a:ext uri="{FF2B5EF4-FFF2-40B4-BE49-F238E27FC236}">
-                <a16:creationId xmlns:a16="http://schemas.microsoft.com/office/drawing/2014/main" id="{38BD6848-CB10-C6CC-C9CF-6DA3FDBC6825}"/>
+                <a16:creationId xmlns:a16="http://schemas.microsoft.com/office/drawing/2014/main" id="{BAE5304A-CE5C-6D5B-F639-40C54A5E2E2F}"/>
               </a:ext>
             </a:extLst>
           </p:cNvPr>
@@ -3663,8 +3636,8 @@
         </p:nvSpPr>
         <p:spPr>
           <a:xfrm>
-            <a:off x="1887794" y="4390192"/>
-            <a:ext cx="6741413" cy="369332"/>
+            <a:off x="11531099" y="6629392"/>
+            <a:ext cx="5718029" cy="369332"/>
           </a:xfrm>
           <a:prstGeom prst="rect">
             <a:avLst/>
@@ -3677,21 +3650,27 @@
           </a:bodyPr>
           <a:lstStyle/>
           <a:p>
+            <a:pPr algn="ctr"/>
             <a:r>
               <a:rPr lang="en-CA" dirty="0">
+                <a:solidFill>
+                  <a:schemeClr val="bg1">
+                    <a:lumMod val="75000"/>
+                  </a:schemeClr>
+                </a:solidFill>
                 <a:latin typeface="Consolas" panose="020B0609020204030204" pitchFamily="49" charset="0"/>
               </a:rPr>
-              <a:t>This is only a test</a:t>
-            </a:r>
-          </a:p>
-        </p:txBody>
-      </p:sp>
-      <p:sp>
-        <p:nvSpPr>
-          <p:cNvPr id="59" name="TextBox 58">
+              <a:t>Microsoft Visual Studio: IDE</a:t>
+            </a:r>
+          </a:p>
+        </p:txBody>
+      </p:sp>
+      <p:sp>
+        <p:nvSpPr>
+          <p:cNvPr id="26" name="TextBox 25">
             <a:extLst>
               <a:ext uri="{FF2B5EF4-FFF2-40B4-BE49-F238E27FC236}">
-                <a16:creationId xmlns:a16="http://schemas.microsoft.com/office/drawing/2014/main" id="{DCC8FBC7-6CD6-564E-991E-E8DD3C8D7062}"/>
+                <a16:creationId xmlns:a16="http://schemas.microsoft.com/office/drawing/2014/main" id="{F507F83E-D347-6C9F-BCEC-7565523E4CFE}"/>
               </a:ext>
             </a:extLst>
           </p:cNvPr>
@@ -3700,8 +3679,8 @@
         </p:nvSpPr>
         <p:spPr>
           <a:xfrm>
-            <a:off x="33039008" y="0"/>
-            <a:ext cx="10630460" cy="32579733"/>
+            <a:off x="11531098" y="12301953"/>
+            <a:ext cx="5718029" cy="369332"/>
           </a:xfrm>
           <a:prstGeom prst="rect">
             <a:avLst/>
@@ -3714,16 +3693,589 @@
           </a:bodyPr>
           <a:lstStyle/>
           <a:p>
-            <a:endParaRPr lang="en-CA" dirty="0"/>
+            <a:pPr algn="ctr"/>
+            <a:r>
+              <a:rPr lang="en-CA" dirty="0">
+                <a:solidFill>
+                  <a:schemeClr val="bg1">
+                    <a:lumMod val="75000"/>
+                  </a:schemeClr>
+                </a:solidFill>
+                <a:latin typeface="Consolas" panose="020B0609020204030204" pitchFamily="49" charset="0"/>
+              </a:rPr>
+              <a:t>C++: Programing language</a:t>
+            </a:r>
+          </a:p>
+        </p:txBody>
+      </p:sp>
+      <p:sp>
+        <p:nvSpPr>
+          <p:cNvPr id="28" name="TextBox 27">
+            <a:extLst>
+              <a:ext uri="{FF2B5EF4-FFF2-40B4-BE49-F238E27FC236}">
+                <a16:creationId xmlns:a16="http://schemas.microsoft.com/office/drawing/2014/main" id="{C5FB1C42-8864-03C3-4E41-EB403B50FFF5}"/>
+              </a:ext>
+            </a:extLst>
+          </p:cNvPr>
+          <p:cNvSpPr txBox="1"/>
+          <p:nvPr/>
+        </p:nvSpPr>
+        <p:spPr>
+          <a:xfrm>
+            <a:off x="11531098" y="14988723"/>
+            <a:ext cx="5718029" cy="369332"/>
+          </a:xfrm>
+          <a:prstGeom prst="rect">
+            <a:avLst/>
+          </a:prstGeom>
+          <a:noFill/>
+        </p:spPr>
+        <p:txBody>
+          <a:bodyPr wrap="square" rtlCol="0">
+            <a:spAutoFit/>
+          </a:bodyPr>
+          <a:lstStyle/>
+          <a:p>
+            <a:pPr algn="ctr"/>
+            <a:r>
+              <a:rPr lang="en-CA" dirty="0" err="1">
+                <a:solidFill>
+                  <a:schemeClr val="bg1">
+                    <a:lumMod val="75000"/>
+                  </a:schemeClr>
+                </a:solidFill>
+                <a:latin typeface="Consolas" panose="020B0609020204030204" pitchFamily="49" charset="0"/>
+              </a:rPr>
+              <a:t>OpenAL</a:t>
+            </a:r>
+            <a:r>
+              <a:rPr lang="en-CA" dirty="0">
+                <a:solidFill>
+                  <a:schemeClr val="bg1">
+                    <a:lumMod val="75000"/>
+                  </a:schemeClr>
+                </a:solidFill>
+                <a:latin typeface="Consolas" panose="020B0609020204030204" pitchFamily="49" charset="0"/>
+              </a:rPr>
+              <a:t>: Audio rendering library</a:t>
+            </a:r>
+          </a:p>
+        </p:txBody>
+      </p:sp>
+      <p:sp>
+        <p:nvSpPr>
+          <p:cNvPr id="30" name="TextBox 29">
+            <a:extLst>
+              <a:ext uri="{FF2B5EF4-FFF2-40B4-BE49-F238E27FC236}">
+                <a16:creationId xmlns:a16="http://schemas.microsoft.com/office/drawing/2014/main" id="{37EFAFD6-D52D-522E-B1D6-9C3D1016129B}"/>
+              </a:ext>
+            </a:extLst>
+          </p:cNvPr>
+          <p:cNvSpPr txBox="1"/>
+          <p:nvPr/>
+        </p:nvSpPr>
+        <p:spPr>
+          <a:xfrm>
+            <a:off x="11645278" y="18781329"/>
+            <a:ext cx="5718029" cy="369332"/>
+          </a:xfrm>
+          <a:prstGeom prst="rect">
+            <a:avLst/>
+          </a:prstGeom>
+          <a:noFill/>
+        </p:spPr>
+        <p:txBody>
+          <a:bodyPr wrap="square" rtlCol="0">
+            <a:spAutoFit/>
+          </a:bodyPr>
+          <a:lstStyle/>
+          <a:p>
+            <a:pPr algn="ctr"/>
+            <a:r>
+              <a:rPr lang="en-CA" dirty="0">
+                <a:solidFill>
+                  <a:schemeClr val="bg1">
+                    <a:lumMod val="75000"/>
+                  </a:schemeClr>
+                </a:solidFill>
+                <a:latin typeface="Consolas" panose="020B0609020204030204" pitchFamily="49" charset="0"/>
+              </a:rPr>
+              <a:t>GIMP: Image Editor</a:t>
+            </a:r>
+          </a:p>
+        </p:txBody>
+      </p:sp>
+      <p:sp>
+        <p:nvSpPr>
+          <p:cNvPr id="31" name="TextBox 30">
+            <a:extLst>
+              <a:ext uri="{FF2B5EF4-FFF2-40B4-BE49-F238E27FC236}">
+                <a16:creationId xmlns:a16="http://schemas.microsoft.com/office/drawing/2014/main" id="{E0C77593-1122-89FD-8D47-13D0659F7A43}"/>
+              </a:ext>
+            </a:extLst>
+          </p:cNvPr>
+          <p:cNvSpPr txBox="1"/>
+          <p:nvPr/>
+        </p:nvSpPr>
+        <p:spPr>
+          <a:xfrm>
+            <a:off x="11531098" y="20886820"/>
+            <a:ext cx="5718029" cy="369332"/>
+          </a:xfrm>
+          <a:prstGeom prst="rect">
+            <a:avLst/>
+          </a:prstGeom>
+          <a:noFill/>
+        </p:spPr>
+        <p:txBody>
+          <a:bodyPr wrap="square" rtlCol="0">
+            <a:spAutoFit/>
+          </a:bodyPr>
+          <a:lstStyle/>
+          <a:p>
+            <a:pPr algn="ctr"/>
+            <a:r>
+              <a:rPr lang="en-CA" dirty="0" err="1">
+                <a:solidFill>
+                  <a:schemeClr val="bg1">
+                    <a:lumMod val="75000"/>
+                  </a:schemeClr>
+                </a:solidFill>
+                <a:latin typeface="Consolas" panose="020B0609020204030204" pitchFamily="49" charset="0"/>
+              </a:rPr>
+              <a:t>sndfile</a:t>
+            </a:r>
+            <a:r>
+              <a:rPr lang="en-CA" dirty="0">
+                <a:solidFill>
+                  <a:schemeClr val="bg1">
+                    <a:lumMod val="75000"/>
+                  </a:schemeClr>
+                </a:solidFill>
+                <a:latin typeface="Consolas" panose="020B0609020204030204" pitchFamily="49" charset="0"/>
+              </a:rPr>
+              <a:t>: Audio reading and writing</a:t>
+            </a:r>
+          </a:p>
+        </p:txBody>
+      </p:sp>
+      <p:sp>
+        <p:nvSpPr>
+          <p:cNvPr id="32" name="TextBox 31">
+            <a:extLst>
+              <a:ext uri="{FF2B5EF4-FFF2-40B4-BE49-F238E27FC236}">
+                <a16:creationId xmlns:a16="http://schemas.microsoft.com/office/drawing/2014/main" id="{E30B1C26-ED4C-243D-8E72-892C2CB64125}"/>
+              </a:ext>
+            </a:extLst>
+          </p:cNvPr>
+          <p:cNvSpPr txBox="1"/>
+          <p:nvPr/>
+        </p:nvSpPr>
+        <p:spPr>
+          <a:xfrm>
+            <a:off x="11580247" y="23763152"/>
+            <a:ext cx="5718029" cy="369332"/>
+          </a:xfrm>
+          <a:prstGeom prst="rect">
+            <a:avLst/>
+          </a:prstGeom>
+          <a:noFill/>
+        </p:spPr>
+        <p:txBody>
+          <a:bodyPr wrap="square" rtlCol="0">
+            <a:spAutoFit/>
+          </a:bodyPr>
+          <a:lstStyle/>
+          <a:p>
+            <a:pPr algn="ctr"/>
+            <a:r>
+              <a:rPr lang="en-CA" dirty="0">
+                <a:solidFill>
+                  <a:schemeClr val="bg1">
+                    <a:lumMod val="75000"/>
+                  </a:schemeClr>
+                </a:solidFill>
+                <a:latin typeface="Consolas" panose="020B0609020204030204" pitchFamily="49" charset="0"/>
+              </a:rPr>
+              <a:t>Tiled: Map editor</a:t>
+            </a:r>
+          </a:p>
+        </p:txBody>
+      </p:sp>
+      <p:sp>
+        <p:nvSpPr>
+          <p:cNvPr id="34" name="TextBox 33">
+            <a:extLst>
+              <a:ext uri="{FF2B5EF4-FFF2-40B4-BE49-F238E27FC236}">
+                <a16:creationId xmlns:a16="http://schemas.microsoft.com/office/drawing/2014/main" id="{E8B39252-96D5-D49F-7843-E0C70E4E792D}"/>
+              </a:ext>
+            </a:extLst>
+          </p:cNvPr>
+          <p:cNvSpPr txBox="1"/>
+          <p:nvPr/>
+        </p:nvSpPr>
+        <p:spPr>
+          <a:xfrm>
+            <a:off x="26946169" y="5733654"/>
+            <a:ext cx="5718029" cy="369332"/>
+          </a:xfrm>
+          <a:prstGeom prst="rect">
+            <a:avLst/>
+          </a:prstGeom>
+          <a:noFill/>
+        </p:spPr>
+        <p:txBody>
+          <a:bodyPr wrap="square" rtlCol="0">
+            <a:spAutoFit/>
+          </a:bodyPr>
+          <a:lstStyle/>
+          <a:p>
+            <a:pPr algn="ctr"/>
+            <a:r>
+              <a:rPr lang="en-CA" dirty="0">
+                <a:solidFill>
+                  <a:schemeClr val="bg1">
+                    <a:lumMod val="75000"/>
+                  </a:schemeClr>
+                </a:solidFill>
+                <a:latin typeface="Consolas" panose="020B0609020204030204" pitchFamily="49" charset="0"/>
+              </a:rPr>
+              <a:t>OpenGL: Video rendering library</a:t>
+            </a:r>
+          </a:p>
+        </p:txBody>
+      </p:sp>
+      <p:sp>
+        <p:nvSpPr>
+          <p:cNvPr id="36" name="TextBox 35">
+            <a:extLst>
+              <a:ext uri="{FF2B5EF4-FFF2-40B4-BE49-F238E27FC236}">
+                <a16:creationId xmlns:a16="http://schemas.microsoft.com/office/drawing/2014/main" id="{71108EAF-E639-596C-A73E-75BC7488F9A1}"/>
+              </a:ext>
+            </a:extLst>
+          </p:cNvPr>
+          <p:cNvSpPr txBox="1"/>
+          <p:nvPr/>
+        </p:nvSpPr>
+        <p:spPr>
+          <a:xfrm>
+            <a:off x="26872071" y="15552212"/>
+            <a:ext cx="5718029" cy="369332"/>
+          </a:xfrm>
+          <a:prstGeom prst="rect">
+            <a:avLst/>
+          </a:prstGeom>
+          <a:noFill/>
+        </p:spPr>
+        <p:txBody>
+          <a:bodyPr wrap="square" rtlCol="0">
+            <a:spAutoFit/>
+          </a:bodyPr>
+          <a:lstStyle/>
+          <a:p>
+            <a:pPr algn="ctr"/>
+            <a:r>
+              <a:rPr lang="en-CA" dirty="0" err="1">
+                <a:solidFill>
+                  <a:schemeClr val="bg1">
+                    <a:lumMod val="75000"/>
+                  </a:schemeClr>
+                </a:solidFill>
+                <a:latin typeface="Consolas" panose="020B0609020204030204" pitchFamily="49" charset="0"/>
+              </a:rPr>
+              <a:t>Github</a:t>
+            </a:r>
+            <a:r>
+              <a:rPr lang="en-CA" dirty="0">
+                <a:solidFill>
+                  <a:schemeClr val="bg1">
+                    <a:lumMod val="75000"/>
+                  </a:schemeClr>
+                </a:solidFill>
+                <a:latin typeface="Consolas" panose="020B0609020204030204" pitchFamily="49" charset="0"/>
+              </a:rPr>
+              <a:t>: Git repository host</a:t>
+            </a:r>
+          </a:p>
+        </p:txBody>
+      </p:sp>
+      <p:sp>
+        <p:nvSpPr>
+          <p:cNvPr id="38" name="TextBox 37">
+            <a:extLst>
+              <a:ext uri="{FF2B5EF4-FFF2-40B4-BE49-F238E27FC236}">
+                <a16:creationId xmlns:a16="http://schemas.microsoft.com/office/drawing/2014/main" id="{F8C24CBC-4C89-6773-3220-FAA71949EFA0}"/>
+              </a:ext>
+            </a:extLst>
+          </p:cNvPr>
+          <p:cNvSpPr txBox="1"/>
+          <p:nvPr/>
+        </p:nvSpPr>
+        <p:spPr>
+          <a:xfrm>
+            <a:off x="26872070" y="18261166"/>
+            <a:ext cx="5718029" cy="369332"/>
+          </a:xfrm>
+          <a:prstGeom prst="rect">
+            <a:avLst/>
+          </a:prstGeom>
+          <a:noFill/>
+        </p:spPr>
+        <p:txBody>
+          <a:bodyPr wrap="square" rtlCol="0">
+            <a:spAutoFit/>
+          </a:bodyPr>
+          <a:lstStyle/>
+          <a:p>
+            <a:pPr algn="ctr"/>
+            <a:r>
+              <a:rPr lang="en-CA" dirty="0">
+                <a:solidFill>
+                  <a:schemeClr val="bg1">
+                    <a:lumMod val="75000"/>
+                  </a:schemeClr>
+                </a:solidFill>
+                <a:latin typeface="Consolas" panose="020B0609020204030204" pitchFamily="49" charset="0"/>
+              </a:rPr>
+              <a:t>Git: Version control software</a:t>
+            </a:r>
+          </a:p>
+        </p:txBody>
+      </p:sp>
+      <p:sp>
+        <p:nvSpPr>
+          <p:cNvPr id="40" name="TextBox 39">
+            <a:extLst>
+              <a:ext uri="{FF2B5EF4-FFF2-40B4-BE49-F238E27FC236}">
+                <a16:creationId xmlns:a16="http://schemas.microsoft.com/office/drawing/2014/main" id="{354E9C56-C62B-0630-0686-3045661FF8FC}"/>
+              </a:ext>
+            </a:extLst>
+          </p:cNvPr>
+          <p:cNvSpPr txBox="1"/>
+          <p:nvPr/>
+        </p:nvSpPr>
+        <p:spPr>
+          <a:xfrm>
+            <a:off x="26758870" y="23111762"/>
+            <a:ext cx="5718029" cy="369332"/>
+          </a:xfrm>
+          <a:prstGeom prst="rect">
+            <a:avLst/>
+          </a:prstGeom>
+          <a:noFill/>
+        </p:spPr>
+        <p:txBody>
+          <a:bodyPr wrap="square" rtlCol="0">
+            <a:spAutoFit/>
+          </a:bodyPr>
+          <a:lstStyle/>
+          <a:p>
+            <a:pPr algn="ctr"/>
+            <a:r>
+              <a:rPr lang="en-CA" dirty="0">
+                <a:solidFill>
+                  <a:schemeClr val="bg1">
+                    <a:lumMod val="75000"/>
+                  </a:schemeClr>
+                </a:solidFill>
+                <a:latin typeface="Consolas" panose="020B0609020204030204" pitchFamily="49" charset="0"/>
+              </a:rPr>
+              <a:t>Notepad++: Text editor</a:t>
+            </a:r>
+          </a:p>
+        </p:txBody>
+      </p:sp>
+      <p:sp>
+        <p:nvSpPr>
+          <p:cNvPr id="42" name="TextBox 41">
+            <a:extLst>
+              <a:ext uri="{FF2B5EF4-FFF2-40B4-BE49-F238E27FC236}">
+                <a16:creationId xmlns:a16="http://schemas.microsoft.com/office/drawing/2014/main" id="{DA762568-7E65-8713-23FA-8F6A39CBFD82}"/>
+              </a:ext>
+            </a:extLst>
+          </p:cNvPr>
+          <p:cNvSpPr txBox="1"/>
+          <p:nvPr/>
+        </p:nvSpPr>
+        <p:spPr>
+          <a:xfrm>
+            <a:off x="29151718" y="6422082"/>
+            <a:ext cx="3626005" cy="646331"/>
+          </a:xfrm>
+          <a:prstGeom prst="rect">
+            <a:avLst/>
+          </a:prstGeom>
+          <a:noFill/>
+        </p:spPr>
+        <p:txBody>
+          <a:bodyPr wrap="square" rtlCol="0">
+            <a:spAutoFit/>
+          </a:bodyPr>
+          <a:lstStyle/>
+          <a:p>
+            <a:pPr algn="ctr"/>
+            <a:r>
+              <a:rPr lang="en-CA" dirty="0">
+                <a:solidFill>
+                  <a:schemeClr val="bg1">
+                    <a:lumMod val="75000"/>
+                  </a:schemeClr>
+                </a:solidFill>
+                <a:latin typeface="Consolas" panose="020B0609020204030204" pitchFamily="49" charset="0"/>
+              </a:rPr>
+              <a:t>GLM:</a:t>
+            </a:r>
+          </a:p>
+          <a:p>
+            <a:pPr algn="ctr"/>
+            <a:r>
+              <a:rPr lang="en-CA" dirty="0">
+                <a:solidFill>
+                  <a:schemeClr val="bg1">
+                    <a:lumMod val="75000"/>
+                  </a:schemeClr>
+                </a:solidFill>
+                <a:latin typeface="Consolas" panose="020B0609020204030204" pitchFamily="49" charset="0"/>
+              </a:rPr>
+              <a:t>OpenGL math library</a:t>
+            </a:r>
+          </a:p>
+        </p:txBody>
+      </p:sp>
+      <p:sp>
+        <p:nvSpPr>
+          <p:cNvPr id="44" name="TextBox 43">
+            <a:extLst>
+              <a:ext uri="{FF2B5EF4-FFF2-40B4-BE49-F238E27FC236}">
+                <a16:creationId xmlns:a16="http://schemas.microsoft.com/office/drawing/2014/main" id="{7ABC192B-5B69-8AB0-2E84-7881144E1304}"/>
+              </a:ext>
+            </a:extLst>
+          </p:cNvPr>
+          <p:cNvSpPr txBox="1"/>
+          <p:nvPr/>
+        </p:nvSpPr>
+        <p:spPr>
+          <a:xfrm>
+            <a:off x="29212693" y="8020452"/>
+            <a:ext cx="3626005" cy="923330"/>
+          </a:xfrm>
+          <a:prstGeom prst="rect">
+            <a:avLst/>
+          </a:prstGeom>
+          <a:noFill/>
+        </p:spPr>
+        <p:txBody>
+          <a:bodyPr wrap="square" rtlCol="0">
+            <a:spAutoFit/>
+          </a:bodyPr>
+          <a:lstStyle/>
+          <a:p>
+            <a:pPr algn="ctr"/>
+            <a:r>
+              <a:rPr lang="en-CA" dirty="0">
+                <a:solidFill>
+                  <a:schemeClr val="bg1">
+                    <a:lumMod val="75000"/>
+                  </a:schemeClr>
+                </a:solidFill>
+                <a:latin typeface="Consolas" panose="020B0609020204030204" pitchFamily="49" charset="0"/>
+              </a:rPr>
+              <a:t>GLEW:</a:t>
+            </a:r>
+          </a:p>
+          <a:p>
+            <a:pPr algn="ctr"/>
+            <a:r>
+              <a:rPr lang="en-CA" dirty="0">
+                <a:solidFill>
+                  <a:schemeClr val="bg1">
+                    <a:lumMod val="75000"/>
+                  </a:schemeClr>
+                </a:solidFill>
+                <a:latin typeface="Consolas" panose="020B0609020204030204" pitchFamily="49" charset="0"/>
+              </a:rPr>
+              <a:t>Graphics library extinction</a:t>
+            </a:r>
+          </a:p>
+          <a:p>
+            <a:pPr algn="ctr"/>
+            <a:r>
+              <a:rPr lang="en-CA" dirty="0">
+                <a:solidFill>
+                  <a:schemeClr val="bg1">
+                    <a:lumMod val="75000"/>
+                  </a:schemeClr>
+                </a:solidFill>
+                <a:latin typeface="Consolas" panose="020B0609020204030204" pitchFamily="49" charset="0"/>
+              </a:rPr>
+              <a:t>wrangler</a:t>
+            </a:r>
+          </a:p>
+        </p:txBody>
+      </p:sp>
+      <p:sp>
+        <p:nvSpPr>
+          <p:cNvPr id="46" name="TextBox 45">
+            <a:extLst>
+              <a:ext uri="{FF2B5EF4-FFF2-40B4-BE49-F238E27FC236}">
+                <a16:creationId xmlns:a16="http://schemas.microsoft.com/office/drawing/2014/main" id="{D7393A2E-ADF2-0FB3-5DCE-AC4191AA0431}"/>
+              </a:ext>
+            </a:extLst>
+          </p:cNvPr>
+          <p:cNvSpPr txBox="1"/>
+          <p:nvPr/>
+        </p:nvSpPr>
+        <p:spPr>
+          <a:xfrm>
+            <a:off x="29332243" y="10169783"/>
+            <a:ext cx="3626005" cy="646331"/>
+          </a:xfrm>
+          <a:prstGeom prst="rect">
+            <a:avLst/>
+          </a:prstGeom>
+          <a:noFill/>
+        </p:spPr>
+        <p:txBody>
+          <a:bodyPr wrap="square" rtlCol="0">
+            <a:spAutoFit/>
+          </a:bodyPr>
+          <a:lstStyle/>
+          <a:p>
+            <a:pPr algn="ctr"/>
+            <a:r>
+              <a:rPr lang="en-CA" dirty="0">
+                <a:solidFill>
+                  <a:schemeClr val="bg1">
+                    <a:lumMod val="75000"/>
+                  </a:schemeClr>
+                </a:solidFill>
+                <a:latin typeface="Consolas" panose="020B0609020204030204" pitchFamily="49" charset="0"/>
+              </a:rPr>
+              <a:t>GLFW:</a:t>
+            </a:r>
+          </a:p>
+          <a:p>
+            <a:pPr algn="ctr"/>
+            <a:r>
+              <a:rPr lang="en-CA" dirty="0">
+                <a:solidFill>
+                  <a:schemeClr val="bg1">
+                    <a:lumMod val="75000"/>
+                  </a:schemeClr>
+                </a:solidFill>
+                <a:latin typeface="Consolas" panose="020B0609020204030204" pitchFamily="49" charset="0"/>
+              </a:rPr>
+              <a:t>Window API</a:t>
+            </a:r>
           </a:p>
         </p:txBody>
       </p:sp>
       <p:pic>
         <p:nvPicPr>
-          <p:cNvPr id="65" name="Picture 64">
+          <p:cNvPr id="8" name="Picture 7">
             <a:extLst>
               <a:ext uri="{FF2B5EF4-FFF2-40B4-BE49-F238E27FC236}">
-                <a16:creationId xmlns:a16="http://schemas.microsoft.com/office/drawing/2014/main" id="{6BDBD92F-341B-1D7D-382C-7653CA4BAD4F}"/>
+                <a16:creationId xmlns:a16="http://schemas.microsoft.com/office/drawing/2014/main" id="{1F7D1285-B69A-DE43-BB3F-5D7ED4DA8C02}"/>
               </a:ext>
             </a:extLst>
           </p:cNvPr>
@@ -3740,14 +4292,116 @@
         </p:blipFill>
         <p:spPr>
           <a:xfrm>
-            <a:off x="32918397" y="0"/>
-            <a:ext cx="10952080" cy="28210934"/>
+            <a:off x="14504292" y="24441811"/>
+            <a:ext cx="16166208" cy="8450889"/>
           </a:xfrm>
           <a:prstGeom prst="rect">
             <a:avLst/>
           </a:prstGeom>
         </p:spPr>
       </p:pic>
+      <p:pic>
+        <p:nvPicPr>
+          <p:cNvPr id="10" name="Picture 9">
+            <a:extLst>
+              <a:ext uri="{FF2B5EF4-FFF2-40B4-BE49-F238E27FC236}">
+                <a16:creationId xmlns:a16="http://schemas.microsoft.com/office/drawing/2014/main" id="{E70B1BC9-BE27-CF10-F743-19864263E8B2}"/>
+              </a:ext>
+            </a:extLst>
+          </p:cNvPr>
+          <p:cNvPicPr>
+            <a:picLocks noChangeAspect="1"/>
+          </p:cNvPicPr>
+          <p:nvPr/>
+        </p:nvPicPr>
+        <p:blipFill>
+          <a:blip r:embed="rId20"/>
+          <a:stretch>
+            <a:fillRect/>
+          </a:stretch>
+        </p:blipFill>
+        <p:spPr>
+          <a:xfrm>
+            <a:off x="33115606" y="71943"/>
+            <a:ext cx="10666005" cy="27130591"/>
+          </a:xfrm>
+          <a:prstGeom prst="rect">
+            <a:avLst/>
+          </a:prstGeom>
+        </p:spPr>
+      </p:pic>
+      <p:pic>
+        <p:nvPicPr>
+          <p:cNvPr id="49" name="Picture 48">
+            <a:extLst>
+              <a:ext uri="{FF2B5EF4-FFF2-40B4-BE49-F238E27FC236}">
+                <a16:creationId xmlns:a16="http://schemas.microsoft.com/office/drawing/2014/main" id="{B20333AA-D429-0CB7-B4D3-3A57819FA714}"/>
+              </a:ext>
+            </a:extLst>
+          </p:cNvPr>
+          <p:cNvPicPr>
+            <a:picLocks noChangeAspect="1"/>
+          </p:cNvPicPr>
+          <p:nvPr/>
+        </p:nvPicPr>
+        <p:blipFill>
+          <a:blip r:embed="rId20"/>
+          <a:stretch>
+            <a:fillRect/>
+          </a:stretch>
+        </p:blipFill>
+        <p:spPr>
+          <a:xfrm>
+            <a:off x="158217" y="73521"/>
+            <a:ext cx="10666005" cy="27130591"/>
+          </a:xfrm>
+          <a:prstGeom prst="rect">
+            <a:avLst/>
+          </a:prstGeom>
+        </p:spPr>
+      </p:pic>
+      <p:sp>
+        <p:nvSpPr>
+          <p:cNvPr id="11" name="TextBox 10">
+            <a:extLst>
+              <a:ext uri="{FF2B5EF4-FFF2-40B4-BE49-F238E27FC236}">
+                <a16:creationId xmlns:a16="http://schemas.microsoft.com/office/drawing/2014/main" id="{B3BCE175-A8B1-A43C-4072-9D358427965E}"/>
+              </a:ext>
+            </a:extLst>
+          </p:cNvPr>
+          <p:cNvSpPr txBox="1"/>
+          <p:nvPr/>
+        </p:nvSpPr>
+        <p:spPr>
+          <a:xfrm>
+            <a:off x="17791508" y="1115710"/>
+            <a:ext cx="8638050" cy="2215991"/>
+          </a:xfrm>
+          <a:prstGeom prst="rect">
+            <a:avLst/>
+          </a:prstGeom>
+          <a:noFill/>
+        </p:spPr>
+        <p:txBody>
+          <a:bodyPr wrap="square" rtlCol="0">
+            <a:spAutoFit/>
+          </a:bodyPr>
+          <a:lstStyle/>
+          <a:p>
+            <a:pPr algn="ctr"/>
+            <a:r>
+              <a:rPr lang="en-CA" sz="6900" dirty="0">
+                <a:solidFill>
+                  <a:schemeClr val="bg1">
+                    <a:lumMod val="75000"/>
+                  </a:schemeClr>
+                </a:solidFill>
+              </a:rPr>
+              <a:t>OUR  BANGING GAME TO BE GAMING</a:t>
+            </a:r>
+          </a:p>
+        </p:txBody>
+      </p:sp>
     </p:spTree>
     <p:extLst>
       <p:ext uri="{BB962C8B-B14F-4D97-AF65-F5344CB8AC3E}">

--- a/FalpGL/files/Presentation Capstone.pptx
+++ b/FalpGL/files/Presentation Capstone.pptx
@@ -3641,7 +3641,7 @@
         </p:blipFill>
         <p:spPr>
           <a:xfrm>
-            <a:off x="11693441" y="3748695"/>
+            <a:off x="17662193" y="4217735"/>
             <a:ext cx="8638050" cy="19775464"/>
           </a:xfrm>
           <a:prstGeom prst="rect">

--- a/FalpGL/files/Presentation Capstone.pptx
+++ b/FalpGL/files/Presentation Capstone.pptx
@@ -3052,7 +3052,10 @@
             <a:avLst/>
           </a:prstGeom>
           <a:solidFill>
-            <a:srgbClr val="1E1E1E"/>
+            <a:schemeClr val="tx1">
+              <a:lumMod val="65000"/>
+              <a:lumOff val="35000"/>
+            </a:schemeClr>
           </a:solidFill>
           <a:ln>
             <a:solidFill>
@@ -3119,7 +3122,7 @@
         </p:blipFill>
         <p:spPr>
           <a:xfrm>
-            <a:off x="11169224" y="2424535"/>
+            <a:off x="11070999" y="4292418"/>
             <a:ext cx="6502734" cy="5080261"/>
           </a:xfrm>
           <a:prstGeom prst="rect">
@@ -3155,7 +3158,7 @@
         </p:blipFill>
         <p:spPr>
           <a:xfrm>
-            <a:off x="27200369" y="16715804"/>
+            <a:off x="27102144" y="18583687"/>
             <a:ext cx="2828538" cy="1182843"/>
           </a:xfrm>
           <a:prstGeom prst="rect">
@@ -3191,7 +3194,7 @@
         </p:blipFill>
         <p:spPr>
           <a:xfrm>
-            <a:off x="26758870" y="11974407"/>
+            <a:off x="26660645" y="13842290"/>
             <a:ext cx="5912292" cy="3325664"/>
           </a:xfrm>
           <a:prstGeom prst="rect">
@@ -3236,7 +3239,7 @@
         </p:blipFill>
         <p:spPr>
           <a:xfrm>
-            <a:off x="11748647" y="7588403"/>
+            <a:off x="11650422" y="9456286"/>
             <a:ext cx="5072243" cy="5072243"/>
           </a:xfrm>
           <a:prstGeom prst="rect">
@@ -3272,7 +3275,7 @@
         </p:blipFill>
         <p:spPr>
           <a:xfrm>
-            <a:off x="27292686" y="3291568"/>
+            <a:off x="27194461" y="5159451"/>
             <a:ext cx="4876800" cy="2019300"/>
           </a:xfrm>
           <a:prstGeom prst="rect">
@@ -3308,7 +3311,7 @@
         </p:blipFill>
         <p:spPr>
           <a:xfrm>
-            <a:off x="27699907" y="6456919"/>
+            <a:off x="27601682" y="8324802"/>
             <a:ext cx="1097282" cy="685801"/>
           </a:xfrm>
           <a:prstGeom prst="rect">
@@ -3344,7 +3347,7 @@
         </p:blipFill>
         <p:spPr>
           <a:xfrm>
-            <a:off x="27346026" y="9455354"/>
+            <a:off x="27247801" y="11323237"/>
             <a:ext cx="1866667" cy="1866667"/>
           </a:xfrm>
           <a:prstGeom prst="rect">
@@ -3405,7 +3408,7 @@
         </p:blipFill>
         <p:spPr>
           <a:xfrm>
-            <a:off x="27750202" y="7850587"/>
+            <a:off x="27651977" y="9718470"/>
             <a:ext cx="1231746" cy="952381"/>
           </a:xfrm>
           <a:prstGeom prst="rect">
@@ -3441,7 +3444,7 @@
         </p:blipFill>
         <p:spPr>
           <a:xfrm>
-            <a:off x="11878021" y="15081932"/>
+            <a:off x="11779796" y="16949815"/>
             <a:ext cx="4429125" cy="4429125"/>
           </a:xfrm>
           <a:prstGeom prst="rect">
@@ -3476,7 +3479,7 @@
         </p:blipFill>
         <p:spPr>
           <a:xfrm>
-            <a:off x="12062594" y="13239020"/>
+            <a:off x="11964369" y="15106903"/>
             <a:ext cx="3673463" cy="1735966"/>
           </a:xfrm>
           <a:prstGeom prst="rect">
@@ -3512,7 +3515,7 @@
         </p:blipFill>
         <p:spPr>
           <a:xfrm>
-            <a:off x="12240382" y="19756477"/>
+            <a:off x="12142157" y="21624360"/>
             <a:ext cx="3495675" cy="933450"/>
           </a:xfrm>
           <a:prstGeom prst="rect">
@@ -3548,7 +3551,7 @@
         </p:blipFill>
         <p:spPr>
           <a:xfrm>
-            <a:off x="12064342" y="21825397"/>
+            <a:off x="11966117" y="23693280"/>
             <a:ext cx="3993226" cy="2164268"/>
           </a:xfrm>
           <a:prstGeom prst="rect">
@@ -3584,7 +3587,7 @@
         </p:blipFill>
         <p:spPr>
           <a:xfrm>
-            <a:off x="17791508" y="3705630"/>
+            <a:off x="17656909" y="4962825"/>
             <a:ext cx="8638050" cy="19775464"/>
           </a:xfrm>
           <a:prstGeom prst="rect">
@@ -3614,7 +3617,7 @@
         </p:blipFill>
         <p:spPr>
           <a:xfrm>
-            <a:off x="28142352" y="19856499"/>
+            <a:off x="28044127" y="21724382"/>
             <a:ext cx="3325664" cy="3325664"/>
           </a:xfrm>
           <a:prstGeom prst="rect">
@@ -3636,7 +3639,7 @@
         </p:nvSpPr>
         <p:spPr>
           <a:xfrm>
-            <a:off x="11531099" y="6629392"/>
+            <a:off x="11432874" y="8497275"/>
             <a:ext cx="5718029" cy="369332"/>
           </a:xfrm>
           <a:prstGeom prst="rect">
@@ -3679,7 +3682,7 @@
         </p:nvSpPr>
         <p:spPr>
           <a:xfrm>
-            <a:off x="11531098" y="12301953"/>
+            <a:off x="11432873" y="14169836"/>
             <a:ext cx="5718029" cy="369332"/>
           </a:xfrm>
           <a:prstGeom prst="rect">
@@ -3722,7 +3725,7 @@
         </p:nvSpPr>
         <p:spPr>
           <a:xfrm>
-            <a:off x="11531098" y="14988723"/>
+            <a:off x="11432873" y="16856606"/>
             <a:ext cx="5718029" cy="369332"/>
           </a:xfrm>
           <a:prstGeom prst="rect">
@@ -3776,7 +3779,7 @@
         </p:nvSpPr>
         <p:spPr>
           <a:xfrm>
-            <a:off x="11645278" y="18781329"/>
+            <a:off x="11547053" y="20649212"/>
             <a:ext cx="5718029" cy="369332"/>
           </a:xfrm>
           <a:prstGeom prst="rect">
@@ -3819,7 +3822,7 @@
         </p:nvSpPr>
         <p:spPr>
           <a:xfrm>
-            <a:off x="11531098" y="20886820"/>
+            <a:off x="11432873" y="22754703"/>
             <a:ext cx="5718029" cy="369332"/>
           </a:xfrm>
           <a:prstGeom prst="rect">
@@ -3873,7 +3876,7 @@
         </p:nvSpPr>
         <p:spPr>
           <a:xfrm>
-            <a:off x="11580247" y="23763152"/>
+            <a:off x="11482022" y="25631035"/>
             <a:ext cx="5718029" cy="369332"/>
           </a:xfrm>
           <a:prstGeom prst="rect">
@@ -3916,7 +3919,7 @@
         </p:nvSpPr>
         <p:spPr>
           <a:xfrm>
-            <a:off x="26946169" y="5733654"/>
+            <a:off x="26847944" y="7601537"/>
             <a:ext cx="5718029" cy="369332"/>
           </a:xfrm>
           <a:prstGeom prst="rect">
@@ -3959,7 +3962,7 @@
         </p:nvSpPr>
         <p:spPr>
           <a:xfrm>
-            <a:off x="26872071" y="15552212"/>
+            <a:off x="26773846" y="17420095"/>
             <a:ext cx="5718029" cy="369332"/>
           </a:xfrm>
           <a:prstGeom prst="rect">
@@ -4013,7 +4016,7 @@
         </p:nvSpPr>
         <p:spPr>
           <a:xfrm>
-            <a:off x="26872070" y="18261166"/>
+            <a:off x="26773845" y="20129049"/>
             <a:ext cx="5718029" cy="369332"/>
           </a:xfrm>
           <a:prstGeom prst="rect">
@@ -4056,7 +4059,7 @@
         </p:nvSpPr>
         <p:spPr>
           <a:xfrm>
-            <a:off x="26758870" y="23111762"/>
+            <a:off x="26660645" y="24979645"/>
             <a:ext cx="5718029" cy="369332"/>
           </a:xfrm>
           <a:prstGeom prst="rect">
@@ -4099,7 +4102,7 @@
         </p:nvSpPr>
         <p:spPr>
           <a:xfrm>
-            <a:off x="29151718" y="6422082"/>
+            <a:off x="29053493" y="8289965"/>
             <a:ext cx="3626005" cy="646331"/>
           </a:xfrm>
           <a:prstGeom prst="rect">
@@ -4156,7 +4159,7 @@
         </p:nvSpPr>
         <p:spPr>
           <a:xfrm>
-            <a:off x="29212693" y="8020452"/>
+            <a:off x="29114468" y="9888335"/>
             <a:ext cx="3626005" cy="923330"/>
           </a:xfrm>
           <a:prstGeom prst="rect">
@@ -4227,7 +4230,7 @@
         </p:nvSpPr>
         <p:spPr>
           <a:xfrm>
-            <a:off x="29332243" y="10169783"/>
+            <a:off x="29234018" y="12037666"/>
             <a:ext cx="3626005" cy="646331"/>
           </a:xfrm>
           <a:prstGeom prst="rect">
@@ -4292,7 +4295,7 @@
         </p:blipFill>
         <p:spPr>
           <a:xfrm>
-            <a:off x="14504292" y="24441811"/>
+            <a:off x="14251873" y="24173235"/>
             <a:ext cx="16166208" cy="8450889"/>
           </a:xfrm>
           <a:prstGeom prst="rect">
@@ -4360,12 +4363,103 @@
           </a:prstGeom>
         </p:spPr>
       </p:pic>
-      <p:sp>
-        <p:nvSpPr>
-          <p:cNvPr id="11" name="TextBox 10">
+      <p:grpSp>
+        <p:nvGrpSpPr>
+          <p:cNvPr id="9" name="Group 8">
             <a:extLst>
               <a:ext uri="{FF2B5EF4-FFF2-40B4-BE49-F238E27FC236}">
-                <a16:creationId xmlns:a16="http://schemas.microsoft.com/office/drawing/2014/main" id="{B3BCE175-A8B1-A43C-4072-9D358427965E}"/>
+                <a16:creationId xmlns:a16="http://schemas.microsoft.com/office/drawing/2014/main" id="{A16C662A-8659-6710-7D74-241637D30B4D}"/>
+              </a:ext>
+            </a:extLst>
+          </p:cNvPr>
+          <p:cNvGrpSpPr/>
+          <p:nvPr/>
+        </p:nvGrpSpPr>
+        <p:grpSpPr>
+          <a:xfrm>
+            <a:off x="15817031" y="-104201"/>
+            <a:ext cx="11437441" cy="2352579"/>
+            <a:chOff x="10824222" y="203680"/>
+            <a:chExt cx="11437441" cy="2352579"/>
+          </a:xfrm>
+        </p:grpSpPr>
+        <p:pic>
+          <p:nvPicPr>
+            <p:cNvPr id="7" name="Picture 6" descr="Text&#10;&#10;Description automatically generated">
+              <a:extLst>
+                <a:ext uri="{FF2B5EF4-FFF2-40B4-BE49-F238E27FC236}">
+                  <a16:creationId xmlns:a16="http://schemas.microsoft.com/office/drawing/2014/main" id="{FDE84EC7-C546-48FC-32A7-7054D0049BAE}"/>
+                </a:ext>
+              </a:extLst>
+            </p:cNvPr>
+            <p:cNvPicPr>
+              <a:picLocks noChangeAspect="1"/>
+            </p:cNvPicPr>
+            <p:nvPr/>
+          </p:nvPicPr>
+          <p:blipFill rotWithShape="1">
+            <a:blip r:embed="rId21">
+              <a:extLst>
+                <a:ext uri="{28A0092B-C50C-407E-A947-70E740481C1C}">
+                  <a14:useLocalDpi xmlns:a14="http://schemas.microsoft.com/office/drawing/2010/main" val="0"/>
+                </a:ext>
+              </a:extLst>
+            </a:blip>
+            <a:srcRect l="18361" t="24736" r="53967" b="52104"/>
+            <a:stretch/>
+          </p:blipFill>
+          <p:spPr>
+            <a:xfrm>
+              <a:off x="10824222" y="203680"/>
+              <a:ext cx="5135121" cy="2352579"/>
+            </a:xfrm>
+            <a:prstGeom prst="rect">
+              <a:avLst/>
+            </a:prstGeom>
+          </p:spPr>
+        </p:pic>
+        <p:pic>
+          <p:nvPicPr>
+            <p:cNvPr id="37" name="Picture 36" descr="Text&#10;&#10;Description automatically generated">
+              <a:extLst>
+                <a:ext uri="{FF2B5EF4-FFF2-40B4-BE49-F238E27FC236}">
+                  <a16:creationId xmlns:a16="http://schemas.microsoft.com/office/drawing/2014/main" id="{E9FBD0FE-C5C3-C18B-257B-AB2AF3A2BE46}"/>
+                </a:ext>
+              </a:extLst>
+            </p:cNvPr>
+            <p:cNvPicPr>
+              <a:picLocks noChangeAspect="1"/>
+            </p:cNvPicPr>
+            <p:nvPr/>
+          </p:nvPicPr>
+          <p:blipFill rotWithShape="1">
+            <a:blip r:embed="rId21">
+              <a:extLst>
+                <a:ext uri="{28A0092B-C50C-407E-A947-70E740481C1C}">
+                  <a14:useLocalDpi xmlns:a14="http://schemas.microsoft.com/office/drawing/2010/main" val="0"/>
+                </a:ext>
+              </a:extLst>
+            </a:blip>
+            <a:srcRect l="44544" t="43641" r="21495" b="35088"/>
+            <a:stretch/>
+          </p:blipFill>
+          <p:spPr>
+            <a:xfrm>
+              <a:off x="15959343" y="253081"/>
+              <a:ext cx="6302320" cy="2160687"/>
+            </a:xfrm>
+            <a:prstGeom prst="rect">
+              <a:avLst/>
+            </a:prstGeom>
+          </p:spPr>
+        </p:pic>
+      </p:grpSp>
+      <p:sp>
+        <p:nvSpPr>
+          <p:cNvPr id="12" name="TextBox 11">
+            <a:extLst>
+              <a:ext uri="{FF2B5EF4-FFF2-40B4-BE49-F238E27FC236}">
+                <a16:creationId xmlns:a16="http://schemas.microsoft.com/office/drawing/2014/main" id="{E7E856D7-3BF7-14C6-2BC8-B836B770CF08}"/>
               </a:ext>
             </a:extLst>
           </p:cNvPr>
@@ -4374,8 +4468,8 @@
         </p:nvSpPr>
         <p:spPr>
           <a:xfrm>
-            <a:off x="17791508" y="1115710"/>
-            <a:ext cx="8638050" cy="2215991"/>
+            <a:off x="13353409" y="2079741"/>
+            <a:ext cx="16599637" cy="2215991"/>
           </a:xfrm>
           <a:prstGeom prst="rect">
             <a:avLst/>
@@ -4388,16 +4482,17 @@
           </a:bodyPr>
           <a:lstStyle/>
           <a:p>
-            <a:pPr algn="ctr"/>
-            <a:r>
-              <a:rPr lang="en-CA" sz="6900" dirty="0">
+            <a:r>
+              <a:rPr lang="en-CA" sz="13800" b="1" dirty="0">
                 <a:solidFill>
-                  <a:schemeClr val="bg1">
-                    <a:lumMod val="75000"/>
+                  <a:schemeClr val="tx1">
+                    <a:lumMod val="85000"/>
+                    <a:lumOff val="15000"/>
                   </a:schemeClr>
                 </a:solidFill>
+                <a:latin typeface="OCRA Alternate" panose="020B0509000000000000" pitchFamily="49"/>
               </a:rPr>
-              <a:t>OUR  BANGING GAME TO BE GAMING</a:t>
+              <a:t> Programming</a:t>
             </a:r>
           </a:p>
         </p:txBody>
